--- a/박스시안/스타일가이드_박스시안_이미지/스타일가이드_박스시안.pptx
+++ b/박스시안/스타일가이드_박스시안_이미지/스타일가이드_박스시안.pptx
@@ -243,7 +243,7 @@
           <a:p>
             <a:fld id="{A7CCF9D1-C3E2-43A1-97EA-02C739BA2767}" type="datetimeFigureOut">
               <a:rPr lang="ko-KR" altLang="en-US" smtClean="0"/>
-              <a:t>2023-03-03</a:t>
+              <a:t>2023-03-07</a:t>
             </a:fld>
             <a:endParaRPr lang="ko-KR" altLang="en-US"/>
           </a:p>
@@ -413,7 +413,7 @@
           <a:p>
             <a:fld id="{A7CCF9D1-C3E2-43A1-97EA-02C739BA2767}" type="datetimeFigureOut">
               <a:rPr lang="ko-KR" altLang="en-US" smtClean="0"/>
-              <a:t>2023-03-03</a:t>
+              <a:t>2023-03-07</a:t>
             </a:fld>
             <a:endParaRPr lang="ko-KR" altLang="en-US"/>
           </a:p>
@@ -593,7 +593,7 @@
           <a:p>
             <a:fld id="{A7CCF9D1-C3E2-43A1-97EA-02C739BA2767}" type="datetimeFigureOut">
               <a:rPr lang="ko-KR" altLang="en-US" smtClean="0"/>
-              <a:t>2023-03-03</a:t>
+              <a:t>2023-03-07</a:t>
             </a:fld>
             <a:endParaRPr lang="ko-KR" altLang="en-US"/>
           </a:p>
@@ -763,7 +763,7 @@
           <a:p>
             <a:fld id="{A7CCF9D1-C3E2-43A1-97EA-02C739BA2767}" type="datetimeFigureOut">
               <a:rPr lang="ko-KR" altLang="en-US" smtClean="0"/>
-              <a:t>2023-03-03</a:t>
+              <a:t>2023-03-07</a:t>
             </a:fld>
             <a:endParaRPr lang="ko-KR" altLang="en-US"/>
           </a:p>
@@ -1009,7 +1009,7 @@
           <a:p>
             <a:fld id="{A7CCF9D1-C3E2-43A1-97EA-02C739BA2767}" type="datetimeFigureOut">
               <a:rPr lang="ko-KR" altLang="en-US" smtClean="0"/>
-              <a:t>2023-03-03</a:t>
+              <a:t>2023-03-07</a:t>
             </a:fld>
             <a:endParaRPr lang="ko-KR" altLang="en-US"/>
           </a:p>
@@ -1241,7 +1241,7 @@
           <a:p>
             <a:fld id="{A7CCF9D1-C3E2-43A1-97EA-02C739BA2767}" type="datetimeFigureOut">
               <a:rPr lang="ko-KR" altLang="en-US" smtClean="0"/>
-              <a:t>2023-03-03</a:t>
+              <a:t>2023-03-07</a:t>
             </a:fld>
             <a:endParaRPr lang="ko-KR" altLang="en-US"/>
           </a:p>
@@ -1608,7 +1608,7 @@
           <a:p>
             <a:fld id="{A7CCF9D1-C3E2-43A1-97EA-02C739BA2767}" type="datetimeFigureOut">
               <a:rPr lang="ko-KR" altLang="en-US" smtClean="0"/>
-              <a:t>2023-03-03</a:t>
+              <a:t>2023-03-07</a:t>
             </a:fld>
             <a:endParaRPr lang="ko-KR" altLang="en-US"/>
           </a:p>
@@ -1726,7 +1726,7 @@
           <a:p>
             <a:fld id="{A7CCF9D1-C3E2-43A1-97EA-02C739BA2767}" type="datetimeFigureOut">
               <a:rPr lang="ko-KR" altLang="en-US" smtClean="0"/>
-              <a:t>2023-03-03</a:t>
+              <a:t>2023-03-07</a:t>
             </a:fld>
             <a:endParaRPr lang="ko-KR" altLang="en-US"/>
           </a:p>
@@ -1821,7 +1821,7 @@
           <a:p>
             <a:fld id="{A7CCF9D1-C3E2-43A1-97EA-02C739BA2767}" type="datetimeFigureOut">
               <a:rPr lang="ko-KR" altLang="en-US" smtClean="0"/>
-              <a:t>2023-03-03</a:t>
+              <a:t>2023-03-07</a:t>
             </a:fld>
             <a:endParaRPr lang="ko-KR" altLang="en-US"/>
           </a:p>
@@ -2098,7 +2098,7 @@
           <a:p>
             <a:fld id="{A7CCF9D1-C3E2-43A1-97EA-02C739BA2767}" type="datetimeFigureOut">
               <a:rPr lang="ko-KR" altLang="en-US" smtClean="0"/>
-              <a:t>2023-03-03</a:t>
+              <a:t>2023-03-07</a:t>
             </a:fld>
             <a:endParaRPr lang="ko-KR" altLang="en-US"/>
           </a:p>
@@ -2351,7 +2351,7 @@
           <a:p>
             <a:fld id="{A7CCF9D1-C3E2-43A1-97EA-02C739BA2767}" type="datetimeFigureOut">
               <a:rPr lang="ko-KR" altLang="en-US" smtClean="0"/>
-              <a:t>2023-03-03</a:t>
+              <a:t>2023-03-07</a:t>
             </a:fld>
             <a:endParaRPr lang="ko-KR" altLang="en-US"/>
           </a:p>
@@ -2564,7 +2564,7 @@
           <a:p>
             <a:fld id="{A7CCF9D1-C3E2-43A1-97EA-02C739BA2767}" type="datetimeFigureOut">
               <a:rPr lang="ko-KR" altLang="en-US" smtClean="0"/>
-              <a:t>2023-03-03</a:t>
+              <a:t>2023-03-07</a:t>
             </a:fld>
             <a:endParaRPr lang="ko-KR" altLang="en-US"/>
           </a:p>
@@ -2991,8 +2991,8 @@
         </p:blipFill>
         <p:spPr>
           <a:xfrm>
-            <a:off x="8764139" y="638173"/>
-            <a:ext cx="3294511" cy="6021062"/>
+            <a:off x="8879691" y="555489"/>
+            <a:ext cx="2980278" cy="6021062"/>
           </a:xfrm>
           <a:prstGeom prst="rect">
             <a:avLst/>
@@ -3021,8 +3021,8 @@
         </p:blipFill>
         <p:spPr>
           <a:xfrm>
-            <a:off x="5402826" y="638173"/>
-            <a:ext cx="3257194" cy="5981702"/>
+            <a:off x="5369071" y="594850"/>
+            <a:ext cx="3257194" cy="5981701"/>
           </a:xfrm>
           <a:prstGeom prst="rect">
             <a:avLst/>
@@ -3051,8 +3051,8 @@
         </p:blipFill>
         <p:spPr>
           <a:xfrm>
-            <a:off x="1948397" y="638174"/>
-            <a:ext cx="3350310" cy="5981701"/>
+            <a:off x="1966062" y="520033"/>
+            <a:ext cx="3257193" cy="5981701"/>
           </a:xfrm>
           <a:prstGeom prst="rect">
             <a:avLst/>
@@ -3110,7 +3110,7 @@
         <p:spPr>
           <a:xfrm>
             <a:off x="322821" y="5381004"/>
-            <a:ext cx="2869503" cy="800219"/>
+            <a:ext cx="2359749" cy="584775"/>
           </a:xfrm>
           <a:prstGeom prst="rect">
             <a:avLst/>
@@ -3139,41 +3139,14 @@
                 <a:latin typeface="Noto Serif KR" panose="02020400000000000000" pitchFamily="18" charset="-127"/>
                 <a:ea typeface="Noto Serif KR" panose="02020400000000000000" pitchFamily="18" charset="-127"/>
               </a:rPr>
-              <a:t>- W1720px : </a:t>
-            </a:r>
-            <a:r>
-              <a:rPr lang="ko-KR" altLang="en-US" sz="1400" dirty="0" smtClean="0">
-                <a:latin typeface="Noto Serif KR" panose="02020400000000000000" pitchFamily="18" charset="-127"/>
-                <a:ea typeface="Noto Serif KR" panose="02020400000000000000" pitchFamily="18" charset="-127"/>
-              </a:rPr>
-              <a:t>헤더</a:t>
+              <a:t>- </a:t>
             </a:r>
             <a:r>
               <a:rPr lang="en-US" altLang="ko-KR" sz="1400" dirty="0" smtClean="0">
                 <a:latin typeface="Noto Serif KR" panose="02020400000000000000" pitchFamily="18" charset="-127"/>
                 <a:ea typeface="Noto Serif KR" panose="02020400000000000000" pitchFamily="18" charset="-127"/>
               </a:rPr>
-              <a:t>, main</a:t>
-            </a:r>
-            <a:r>
-              <a:rPr lang="ko-KR" altLang="en-US" sz="1400" dirty="0" smtClean="0">
-                <a:latin typeface="Noto Serif KR" panose="02020400000000000000" pitchFamily="18" charset="-127"/>
-                <a:ea typeface="Noto Serif KR" panose="02020400000000000000" pitchFamily="18" charset="-127"/>
-              </a:rPr>
-              <a:t>일부 적용</a:t>
-            </a:r>
-            <a:endParaRPr lang="en-US" altLang="ko-KR" sz="1400" dirty="0" smtClean="0">
-              <a:latin typeface="Noto Serif KR" panose="02020400000000000000" pitchFamily="18" charset="-127"/>
-              <a:ea typeface="Noto Serif KR" panose="02020400000000000000" pitchFamily="18" charset="-127"/>
-            </a:endParaRPr>
-          </a:p>
-          <a:p>
-            <a:r>
-              <a:rPr lang="en-US" altLang="ko-KR" sz="1400" dirty="0" smtClean="0">
-                <a:latin typeface="Noto Serif KR" panose="02020400000000000000" pitchFamily="18" charset="-127"/>
-                <a:ea typeface="Noto Serif KR" panose="02020400000000000000" pitchFamily="18" charset="-127"/>
-              </a:rPr>
-              <a:t>- W1440px : </a:t>
+              <a:t>W1440px : </a:t>
             </a:r>
             <a:r>
               <a:rPr lang="ko-KR" altLang="en-US" sz="1400" dirty="0" smtClean="0">

--- a/박스시안/스타일가이드_박스시안_이미지/스타일가이드_박스시안.pptx
+++ b/박스시안/스타일가이드_박스시안_이미지/스타일가이드_박스시안.pptx
@@ -243,7 +243,7 @@
           <a:p>
             <a:fld id="{A7CCF9D1-C3E2-43A1-97EA-02C739BA2767}" type="datetimeFigureOut">
               <a:rPr lang="ko-KR" altLang="en-US" smtClean="0"/>
-              <a:t>2023-03-07</a:t>
+              <a:t>2023-03-15</a:t>
             </a:fld>
             <a:endParaRPr lang="ko-KR" altLang="en-US"/>
           </a:p>
@@ -413,7 +413,7 @@
           <a:p>
             <a:fld id="{A7CCF9D1-C3E2-43A1-97EA-02C739BA2767}" type="datetimeFigureOut">
               <a:rPr lang="ko-KR" altLang="en-US" smtClean="0"/>
-              <a:t>2023-03-07</a:t>
+              <a:t>2023-03-15</a:t>
             </a:fld>
             <a:endParaRPr lang="ko-KR" altLang="en-US"/>
           </a:p>
@@ -593,7 +593,7 @@
           <a:p>
             <a:fld id="{A7CCF9D1-C3E2-43A1-97EA-02C739BA2767}" type="datetimeFigureOut">
               <a:rPr lang="ko-KR" altLang="en-US" smtClean="0"/>
-              <a:t>2023-03-07</a:t>
+              <a:t>2023-03-15</a:t>
             </a:fld>
             <a:endParaRPr lang="ko-KR" altLang="en-US"/>
           </a:p>
@@ -763,7 +763,7 @@
           <a:p>
             <a:fld id="{A7CCF9D1-C3E2-43A1-97EA-02C739BA2767}" type="datetimeFigureOut">
               <a:rPr lang="ko-KR" altLang="en-US" smtClean="0"/>
-              <a:t>2023-03-07</a:t>
+              <a:t>2023-03-15</a:t>
             </a:fld>
             <a:endParaRPr lang="ko-KR" altLang="en-US"/>
           </a:p>
@@ -1009,7 +1009,7 @@
           <a:p>
             <a:fld id="{A7CCF9D1-C3E2-43A1-97EA-02C739BA2767}" type="datetimeFigureOut">
               <a:rPr lang="ko-KR" altLang="en-US" smtClean="0"/>
-              <a:t>2023-03-07</a:t>
+              <a:t>2023-03-15</a:t>
             </a:fld>
             <a:endParaRPr lang="ko-KR" altLang="en-US"/>
           </a:p>
@@ -1241,7 +1241,7 @@
           <a:p>
             <a:fld id="{A7CCF9D1-C3E2-43A1-97EA-02C739BA2767}" type="datetimeFigureOut">
               <a:rPr lang="ko-KR" altLang="en-US" smtClean="0"/>
-              <a:t>2023-03-07</a:t>
+              <a:t>2023-03-15</a:t>
             </a:fld>
             <a:endParaRPr lang="ko-KR" altLang="en-US"/>
           </a:p>
@@ -1608,7 +1608,7 @@
           <a:p>
             <a:fld id="{A7CCF9D1-C3E2-43A1-97EA-02C739BA2767}" type="datetimeFigureOut">
               <a:rPr lang="ko-KR" altLang="en-US" smtClean="0"/>
-              <a:t>2023-03-07</a:t>
+              <a:t>2023-03-15</a:t>
             </a:fld>
             <a:endParaRPr lang="ko-KR" altLang="en-US"/>
           </a:p>
@@ -1726,7 +1726,7 @@
           <a:p>
             <a:fld id="{A7CCF9D1-C3E2-43A1-97EA-02C739BA2767}" type="datetimeFigureOut">
               <a:rPr lang="ko-KR" altLang="en-US" smtClean="0"/>
-              <a:t>2023-03-07</a:t>
+              <a:t>2023-03-15</a:t>
             </a:fld>
             <a:endParaRPr lang="ko-KR" altLang="en-US"/>
           </a:p>
@@ -1821,7 +1821,7 @@
           <a:p>
             <a:fld id="{A7CCF9D1-C3E2-43A1-97EA-02C739BA2767}" type="datetimeFigureOut">
               <a:rPr lang="ko-KR" altLang="en-US" smtClean="0"/>
-              <a:t>2023-03-07</a:t>
+              <a:t>2023-03-15</a:t>
             </a:fld>
             <a:endParaRPr lang="ko-KR" altLang="en-US"/>
           </a:p>
@@ -2098,7 +2098,7 @@
           <a:p>
             <a:fld id="{A7CCF9D1-C3E2-43A1-97EA-02C739BA2767}" type="datetimeFigureOut">
               <a:rPr lang="ko-KR" altLang="en-US" smtClean="0"/>
-              <a:t>2023-03-07</a:t>
+              <a:t>2023-03-15</a:t>
             </a:fld>
             <a:endParaRPr lang="ko-KR" altLang="en-US"/>
           </a:p>
@@ -2351,7 +2351,7 @@
           <a:p>
             <a:fld id="{A7CCF9D1-C3E2-43A1-97EA-02C739BA2767}" type="datetimeFigureOut">
               <a:rPr lang="ko-KR" altLang="en-US" smtClean="0"/>
-              <a:t>2023-03-07</a:t>
+              <a:t>2023-03-15</a:t>
             </a:fld>
             <a:endParaRPr lang="ko-KR" altLang="en-US"/>
           </a:p>
@@ -2564,7 +2564,7 @@
           <a:p>
             <a:fld id="{A7CCF9D1-C3E2-43A1-97EA-02C739BA2767}" type="datetimeFigureOut">
               <a:rPr lang="ko-KR" altLang="en-US" smtClean="0"/>
-              <a:t>2023-03-07</a:t>
+              <a:t>2023-03-15</a:t>
             </a:fld>
             <a:endParaRPr lang="ko-KR" altLang="en-US"/>
           </a:p>
@@ -2969,96 +2969,6 @@
           <a:chExt cx="0" cy="0"/>
         </a:xfrm>
       </p:grpSpPr>
-      <p:pic>
-        <p:nvPicPr>
-          <p:cNvPr id="4" name="그림 3"/>
-          <p:cNvPicPr>
-            <a:picLocks noChangeAspect="1"/>
-          </p:cNvPicPr>
-          <p:nvPr/>
-        </p:nvPicPr>
-        <p:blipFill>
-          <a:blip r:embed="rId2" cstate="print">
-            <a:extLst>
-              <a:ext uri="{28A0092B-C50C-407E-A947-70E740481C1C}">
-                <a14:useLocalDpi xmlns:a14="http://schemas.microsoft.com/office/drawing/2010/main" val="0"/>
-              </a:ext>
-            </a:extLst>
-          </a:blip>
-          <a:stretch>
-            <a:fillRect/>
-          </a:stretch>
-        </p:blipFill>
-        <p:spPr>
-          <a:xfrm>
-            <a:off x="8879691" y="555489"/>
-            <a:ext cx="2980278" cy="6021062"/>
-          </a:xfrm>
-          <a:prstGeom prst="rect">
-            <a:avLst/>
-          </a:prstGeom>
-        </p:spPr>
-      </p:pic>
-      <p:pic>
-        <p:nvPicPr>
-          <p:cNvPr id="28" name="그림 27"/>
-          <p:cNvPicPr>
-            <a:picLocks noChangeAspect="1"/>
-          </p:cNvPicPr>
-          <p:nvPr/>
-        </p:nvPicPr>
-        <p:blipFill>
-          <a:blip r:embed="rId3" cstate="print">
-            <a:extLst>
-              <a:ext uri="{28A0092B-C50C-407E-A947-70E740481C1C}">
-                <a14:useLocalDpi xmlns:a14="http://schemas.microsoft.com/office/drawing/2010/main" val="0"/>
-              </a:ext>
-            </a:extLst>
-          </a:blip>
-          <a:stretch>
-            <a:fillRect/>
-          </a:stretch>
-        </p:blipFill>
-        <p:spPr>
-          <a:xfrm>
-            <a:off x="5369071" y="594850"/>
-            <a:ext cx="3257194" cy="5981701"/>
-          </a:xfrm>
-          <a:prstGeom prst="rect">
-            <a:avLst/>
-          </a:prstGeom>
-        </p:spPr>
-      </p:pic>
-      <p:pic>
-        <p:nvPicPr>
-          <p:cNvPr id="22" name="그림 21"/>
-          <p:cNvPicPr>
-            <a:picLocks noChangeAspect="1"/>
-          </p:cNvPicPr>
-          <p:nvPr/>
-        </p:nvPicPr>
-        <p:blipFill>
-          <a:blip r:embed="rId4" cstate="print">
-            <a:extLst>
-              <a:ext uri="{28A0092B-C50C-407E-A947-70E740481C1C}">
-                <a14:useLocalDpi xmlns:a14="http://schemas.microsoft.com/office/drawing/2010/main" val="0"/>
-              </a:ext>
-            </a:extLst>
-          </a:blip>
-          <a:stretch>
-            <a:fillRect/>
-          </a:stretch>
-        </p:blipFill>
-        <p:spPr>
-          <a:xfrm>
-            <a:off x="1966062" y="520033"/>
-            <a:ext cx="3257193" cy="5981701"/>
-          </a:xfrm>
-          <a:prstGeom prst="rect">
-            <a:avLst/>
-          </a:prstGeom>
-        </p:spPr>
-      </p:pic>
       <p:sp>
         <p:nvSpPr>
           <p:cNvPr id="7" name="TextBox 6"/>
@@ -3068,7 +2978,7 @@
         <p:spPr>
           <a:xfrm>
             <a:off x="195316" y="155676"/>
-            <a:ext cx="2666114" cy="584775"/>
+            <a:ext cx="1508746" cy="584775"/>
           </a:xfrm>
           <a:prstGeom prst="rect">
             <a:avLst/>
@@ -3082,82 +2992,23 @@
           <a:lstStyle/>
           <a:p>
             <a:r>
-              <a:rPr lang="ko-KR" altLang="en-US" sz="3200" b="1" dirty="0" smtClean="0">
+              <a:rPr lang="en-US" altLang="ko-KR" sz="3200" b="1" dirty="0">
                 <a:solidFill>
                   <a:srgbClr val="0046FF"/>
                 </a:solidFill>
-                <a:latin typeface="Noto Serif KR" panose="02020400000000000000" pitchFamily="18" charset="-127"/>
-                <a:ea typeface="Noto Serif KR" panose="02020400000000000000" pitchFamily="18" charset="-127"/>
+                <a:latin typeface="Pretendard" panose="02000503000000020004" pitchFamily="50" charset="-127"/>
+                <a:ea typeface="Pretendard" panose="02000503000000020004" pitchFamily="50" charset="-127"/>
+                <a:cs typeface="Pretendard" panose="02000503000000020004" pitchFamily="50" charset="-127"/>
               </a:rPr>
-              <a:t>스타일 가이드</a:t>
+              <a:t>Layout</a:t>
             </a:r>
             <a:endParaRPr lang="ko-KR" altLang="en-US" sz="3200" b="1" dirty="0">
               <a:solidFill>
                 <a:srgbClr val="0046FF"/>
               </a:solidFill>
-              <a:latin typeface="Noto Serif KR" panose="02020400000000000000" pitchFamily="18" charset="-127"/>
-              <a:ea typeface="Noto Serif KR" panose="02020400000000000000" pitchFamily="18" charset="-127"/>
-            </a:endParaRPr>
-          </a:p>
-        </p:txBody>
-      </p:sp>
-      <p:sp>
-        <p:nvSpPr>
-          <p:cNvPr id="2" name="TextBox 1"/>
-          <p:cNvSpPr txBox="1"/>
-          <p:nvPr/>
-        </p:nvSpPr>
-        <p:spPr>
-          <a:xfrm>
-            <a:off x="322821" y="5381004"/>
-            <a:ext cx="2359749" cy="584775"/>
-          </a:xfrm>
-          <a:prstGeom prst="rect">
-            <a:avLst/>
-          </a:prstGeom>
-          <a:solidFill>
-            <a:schemeClr val="bg1"/>
-          </a:solidFill>
-        </p:spPr>
-        <p:txBody>
-          <a:bodyPr wrap="none" rtlCol="0">
-            <a:spAutoFit/>
-          </a:bodyPr>
-          <a:lstStyle/>
-          <a:p>
-            <a:r>
-              <a:rPr lang="en-US" altLang="ko-KR" dirty="0" smtClean="0">
-                <a:latin typeface="Noto Serif KR" panose="02020400000000000000" pitchFamily="18" charset="-127"/>
-                <a:ea typeface="Noto Serif KR" panose="02020400000000000000" pitchFamily="18" charset="-127"/>
-              </a:rPr>
-              <a:t>Safe-Area</a:t>
-            </a:r>
-          </a:p>
-          <a:p>
-            <a:r>
-              <a:rPr lang="en-US" altLang="ko-KR" sz="1400" dirty="0" smtClean="0">
-                <a:latin typeface="Noto Serif KR" panose="02020400000000000000" pitchFamily="18" charset="-127"/>
-                <a:ea typeface="Noto Serif KR" panose="02020400000000000000" pitchFamily="18" charset="-127"/>
-              </a:rPr>
-              <a:t>- </a:t>
-            </a:r>
-            <a:r>
-              <a:rPr lang="en-US" altLang="ko-KR" sz="1400" dirty="0" smtClean="0">
-                <a:latin typeface="Noto Serif KR" panose="02020400000000000000" pitchFamily="18" charset="-127"/>
-                <a:ea typeface="Noto Serif KR" panose="02020400000000000000" pitchFamily="18" charset="-127"/>
-              </a:rPr>
-              <a:t>W1440px : </a:t>
-            </a:r>
-            <a:r>
-              <a:rPr lang="ko-KR" altLang="en-US" sz="1400" dirty="0" smtClean="0">
-                <a:latin typeface="Noto Serif KR" panose="02020400000000000000" pitchFamily="18" charset="-127"/>
-                <a:ea typeface="Noto Serif KR" panose="02020400000000000000" pitchFamily="18" charset="-127"/>
-              </a:rPr>
-              <a:t>전체 영역 적용</a:t>
-            </a:r>
-            <a:endParaRPr lang="ko-KR" altLang="en-US" sz="1400" dirty="0">
-              <a:latin typeface="Noto Serif KR" panose="02020400000000000000" pitchFamily="18" charset="-127"/>
-              <a:ea typeface="Noto Serif KR" panose="02020400000000000000" pitchFamily="18" charset="-127"/>
+              <a:latin typeface="Pretendard" panose="02000503000000020004" pitchFamily="50" charset="-127"/>
+              <a:ea typeface="Pretendard" panose="02000503000000020004" pitchFamily="50" charset="-127"/>
+              <a:cs typeface="Pretendard" panose="02000503000000020004" pitchFamily="50" charset="-127"/>
             </a:endParaRPr>
           </a:p>
         </p:txBody>
@@ -3170,10 +3021,10 @@
         </p:nvGrpSpPr>
         <p:grpSpPr>
           <a:xfrm>
-            <a:off x="379661" y="6181223"/>
-            <a:ext cx="1148712" cy="307777"/>
-            <a:chOff x="469636" y="1937012"/>
-            <a:chExt cx="1148712" cy="307777"/>
+            <a:off x="10815416" y="6178016"/>
+            <a:ext cx="1090795" cy="307777"/>
+            <a:chOff x="6411428" y="784927"/>
+            <a:chExt cx="1090795" cy="307777"/>
           </a:xfrm>
         </p:grpSpPr>
         <p:sp>
@@ -3184,7 +3035,7 @@
           </p:nvSpPr>
           <p:spPr>
             <a:xfrm>
-              <a:off x="469636" y="2004997"/>
+              <a:off x="6411428" y="834393"/>
               <a:ext cx="223837" cy="233362"/>
             </a:xfrm>
             <a:prstGeom prst="ellipse">
@@ -3218,7 +3069,11 @@
             <a:lstStyle/>
             <a:p>
               <a:pPr algn="ctr"/>
-              <a:endParaRPr lang="ko-KR" altLang="en-US"/>
+              <a:endParaRPr lang="ko-KR" altLang="en-US">
+                <a:latin typeface="Pretendard" panose="02000503000000020004" pitchFamily="50" charset="-127"/>
+                <a:ea typeface="Pretendard" panose="02000503000000020004" pitchFamily="50" charset="-127"/>
+                <a:cs typeface="Pretendard" panose="02000503000000020004" pitchFamily="50" charset="-127"/>
+              </a:endParaRPr>
             </a:p>
           </p:txBody>
         </p:sp>
@@ -3230,8 +3085,8 @@
           </p:nvSpPr>
           <p:spPr>
             <a:xfrm>
-              <a:off x="694697" y="1937012"/>
-              <a:ext cx="923651" cy="307777"/>
+              <a:off x="6650708" y="784927"/>
+              <a:ext cx="851515" cy="307777"/>
             </a:xfrm>
             <a:prstGeom prst="rect">
               <a:avLst/>
@@ -3246,203 +3101,803 @@
             <a:p>
               <a:r>
                 <a:rPr lang="ko-KR" altLang="en-US" sz="1400" dirty="0" smtClean="0">
-                  <a:latin typeface="Noto Serif KR" panose="02020400000000000000" pitchFamily="18" charset="-127"/>
-                  <a:ea typeface="Noto Serif KR" panose="02020400000000000000" pitchFamily="18" charset="-127"/>
+                  <a:solidFill>
+                    <a:srgbClr val="AFABAB"/>
+                  </a:solidFill>
+                  <a:latin typeface="Pretendard" panose="02000503000000020004" pitchFamily="50" charset="-127"/>
+                  <a:ea typeface="Pretendard" panose="02000503000000020004" pitchFamily="50" charset="-127"/>
+                  <a:cs typeface="Pretendard" panose="02000503000000020004" pitchFamily="50" charset="-127"/>
                 </a:rPr>
                 <a:t>패딩 간격</a:t>
               </a:r>
               <a:endParaRPr lang="ko-KR" altLang="en-US" dirty="0">
-                <a:latin typeface="Noto Serif KR" panose="02020400000000000000" pitchFamily="18" charset="-127"/>
-                <a:ea typeface="Noto Serif KR" panose="02020400000000000000" pitchFamily="18" charset="-127"/>
+                <a:solidFill>
+                  <a:srgbClr val="AFABAB"/>
+                </a:solidFill>
+                <a:latin typeface="Pretendard" panose="02000503000000020004" pitchFamily="50" charset="-127"/>
+                <a:ea typeface="Pretendard" panose="02000503000000020004" pitchFamily="50" charset="-127"/>
+                <a:cs typeface="Pretendard" panose="02000503000000020004" pitchFamily="50" charset="-127"/>
               </a:endParaRPr>
             </a:p>
           </p:txBody>
         </p:sp>
       </p:grpSp>
-      <p:sp>
-        <p:nvSpPr>
-          <p:cNvPr id="21" name="TextBox 20"/>
-          <p:cNvSpPr txBox="1"/>
+      <p:grpSp>
+        <p:nvGrpSpPr>
+          <p:cNvPr id="35" name="그룹 34"/>
+          <p:cNvGrpSpPr/>
           <p:nvPr/>
-        </p:nvSpPr>
-        <p:spPr>
+        </p:nvGrpSpPr>
+        <p:grpSpPr>
           <a:xfrm>
-            <a:off x="1892039" y="6407630"/>
-            <a:ext cx="764953" cy="369332"/>
+            <a:off x="432267" y="2028920"/>
+            <a:ext cx="11473944" cy="4149096"/>
+            <a:chOff x="433760" y="1838618"/>
+            <a:chExt cx="11473944" cy="4149096"/>
           </a:xfrm>
-          <a:prstGeom prst="rect">
-            <a:avLst/>
-          </a:prstGeom>
-          <a:noFill/>
-        </p:spPr>
-        <p:txBody>
-          <a:bodyPr wrap="none" rtlCol="0">
-            <a:spAutoFit/>
-          </a:bodyPr>
-          <a:lstStyle/>
-          <a:p>
-            <a:r>
-              <a:rPr lang="en-US" altLang="ko-KR" dirty="0" smtClean="0">
-                <a:latin typeface="Noto Serif KR" panose="02020400000000000000" pitchFamily="18" charset="-127"/>
-                <a:ea typeface="Noto Serif KR" panose="02020400000000000000" pitchFamily="18" charset="-127"/>
-              </a:rPr>
-              <a:t>main</a:t>
-            </a:r>
-            <a:endParaRPr lang="ko-KR" altLang="en-US" dirty="0">
-              <a:latin typeface="Noto Serif KR" panose="02020400000000000000" pitchFamily="18" charset="-127"/>
-              <a:ea typeface="Noto Serif KR" panose="02020400000000000000" pitchFamily="18" charset="-127"/>
-            </a:endParaRPr>
-          </a:p>
-        </p:txBody>
-      </p:sp>
-      <p:sp>
-        <p:nvSpPr>
-          <p:cNvPr id="25" name="TextBox 24"/>
-          <p:cNvSpPr txBox="1"/>
+        </p:grpSpPr>
+        <p:grpSp>
+          <p:nvGrpSpPr>
+            <p:cNvPr id="19" name="그룹 18"/>
+            <p:cNvGrpSpPr/>
+            <p:nvPr/>
+          </p:nvGrpSpPr>
+          <p:grpSpPr>
+            <a:xfrm>
+              <a:off x="433760" y="1885512"/>
+              <a:ext cx="2073426" cy="4102202"/>
+              <a:chOff x="433760" y="1885512"/>
+              <a:chExt cx="2073426" cy="4102202"/>
+            </a:xfrm>
+          </p:grpSpPr>
+          <p:pic>
+            <p:nvPicPr>
+              <p:cNvPr id="6" name="그림 5"/>
+              <p:cNvPicPr>
+                <a:picLocks noChangeAspect="1"/>
+              </p:cNvPicPr>
+              <p:nvPr/>
+            </p:nvPicPr>
+            <p:blipFill>
+              <a:blip r:embed="rId2" cstate="print">
+                <a:extLst>
+                  <a:ext uri="{28A0092B-C50C-407E-A947-70E740481C1C}">
+                    <a14:useLocalDpi xmlns:a14="http://schemas.microsoft.com/office/drawing/2010/main" val="0"/>
+                  </a:ext>
+                </a:extLst>
+              </a:blip>
+              <a:stretch>
+                <a:fillRect/>
+              </a:stretch>
+            </p:blipFill>
+            <p:spPr>
+              <a:xfrm>
+                <a:off x="433760" y="1885512"/>
+                <a:ext cx="2073426" cy="3898576"/>
+              </a:xfrm>
+              <a:prstGeom prst="rect">
+                <a:avLst/>
+              </a:prstGeom>
+            </p:spPr>
+          </p:pic>
+          <p:sp>
+            <p:nvSpPr>
+              <p:cNvPr id="21" name="TextBox 20"/>
+              <p:cNvSpPr txBox="1"/>
+              <p:nvPr/>
+            </p:nvSpPr>
+            <p:spPr>
+              <a:xfrm>
+                <a:off x="433760" y="5618382"/>
+                <a:ext cx="678391" cy="369332"/>
+              </a:xfrm>
+              <a:prstGeom prst="rect">
+                <a:avLst/>
+              </a:prstGeom>
+              <a:noFill/>
+            </p:spPr>
+            <p:txBody>
+              <a:bodyPr wrap="none" rtlCol="0">
+                <a:spAutoFit/>
+              </a:bodyPr>
+              <a:lstStyle/>
+              <a:p>
+                <a:r>
+                  <a:rPr lang="en-US" altLang="ko-KR" dirty="0" smtClean="0">
+                    <a:solidFill>
+                      <a:schemeClr val="bg1">
+                        <a:lumMod val="75000"/>
+                      </a:schemeClr>
+                    </a:solidFill>
+                    <a:latin typeface="Pretendard" panose="02000503000000020004" pitchFamily="50" charset="-127"/>
+                    <a:ea typeface="Pretendard" panose="02000503000000020004" pitchFamily="50" charset="-127"/>
+                    <a:cs typeface="Pretendard" panose="02000503000000020004" pitchFamily="50" charset="-127"/>
+                  </a:rPr>
+                  <a:t>main</a:t>
+                </a:r>
+                <a:endParaRPr lang="ko-KR" altLang="en-US" dirty="0">
+                  <a:solidFill>
+                    <a:schemeClr val="bg1">
+                      <a:lumMod val="75000"/>
+                    </a:schemeClr>
+                  </a:solidFill>
+                  <a:latin typeface="Pretendard" panose="02000503000000020004" pitchFamily="50" charset="-127"/>
+                  <a:ea typeface="Pretendard" panose="02000503000000020004" pitchFamily="50" charset="-127"/>
+                  <a:cs typeface="Pretendard" panose="02000503000000020004" pitchFamily="50" charset="-127"/>
+                </a:endParaRPr>
+              </a:p>
+            </p:txBody>
+          </p:sp>
+        </p:grpSp>
+        <p:grpSp>
+          <p:nvGrpSpPr>
+            <p:cNvPr id="20" name="그룹 19"/>
+            <p:cNvGrpSpPr/>
+            <p:nvPr/>
+          </p:nvGrpSpPr>
+          <p:grpSpPr>
+            <a:xfrm>
+              <a:off x="2781647" y="1885512"/>
+              <a:ext cx="2073426" cy="4102202"/>
+              <a:chOff x="2738756" y="1885512"/>
+              <a:chExt cx="2073426" cy="4102202"/>
+            </a:xfrm>
+          </p:grpSpPr>
+          <p:pic>
+            <p:nvPicPr>
+              <p:cNvPr id="8" name="그림 7"/>
+              <p:cNvPicPr>
+                <a:picLocks noChangeAspect="1"/>
+              </p:cNvPicPr>
+              <p:nvPr/>
+            </p:nvPicPr>
+            <p:blipFill>
+              <a:blip r:embed="rId3" cstate="print">
+                <a:extLst>
+                  <a:ext uri="{28A0092B-C50C-407E-A947-70E740481C1C}">
+                    <a14:useLocalDpi xmlns:a14="http://schemas.microsoft.com/office/drawing/2010/main" val="0"/>
+                  </a:ext>
+                </a:extLst>
+              </a:blip>
+              <a:stretch>
+                <a:fillRect/>
+              </a:stretch>
+            </p:blipFill>
+            <p:spPr>
+              <a:xfrm>
+                <a:off x="2738756" y="1885512"/>
+                <a:ext cx="2073426" cy="3898576"/>
+              </a:xfrm>
+              <a:prstGeom prst="rect">
+                <a:avLst/>
+              </a:prstGeom>
+            </p:spPr>
+          </p:pic>
+          <p:sp>
+            <p:nvSpPr>
+              <p:cNvPr id="26" name="TextBox 25"/>
+              <p:cNvSpPr txBox="1"/>
+              <p:nvPr/>
+            </p:nvSpPr>
+            <p:spPr>
+              <a:xfrm>
+                <a:off x="2738756" y="5618382"/>
+                <a:ext cx="562975" cy="369332"/>
+              </a:xfrm>
+              <a:prstGeom prst="rect">
+                <a:avLst/>
+              </a:prstGeom>
+              <a:noFill/>
+            </p:spPr>
+            <p:txBody>
+              <a:bodyPr wrap="none" rtlCol="0">
+                <a:spAutoFit/>
+              </a:bodyPr>
+              <a:lstStyle/>
+              <a:p>
+                <a:r>
+                  <a:rPr lang="en-US" altLang="ko-KR" dirty="0" smtClean="0">
+                    <a:solidFill>
+                      <a:schemeClr val="bg1">
+                        <a:lumMod val="75000"/>
+                      </a:schemeClr>
+                    </a:solidFill>
+                    <a:latin typeface="Pretendard" panose="02000503000000020004" pitchFamily="50" charset="-127"/>
+                    <a:ea typeface="Pretendard" panose="02000503000000020004" pitchFamily="50" charset="-127"/>
+                    <a:cs typeface="Pretendard" panose="02000503000000020004" pitchFamily="50" charset="-127"/>
+                  </a:rPr>
+                  <a:t>sub</a:t>
+                </a:r>
+                <a:endParaRPr lang="ko-KR" altLang="en-US" dirty="0">
+                  <a:solidFill>
+                    <a:schemeClr val="bg1">
+                      <a:lumMod val="75000"/>
+                    </a:schemeClr>
+                  </a:solidFill>
+                  <a:latin typeface="Pretendard" panose="02000503000000020004" pitchFamily="50" charset="-127"/>
+                  <a:ea typeface="Pretendard" panose="02000503000000020004" pitchFamily="50" charset="-127"/>
+                  <a:cs typeface="Pretendard" panose="02000503000000020004" pitchFamily="50" charset="-127"/>
+                </a:endParaRPr>
+              </a:p>
+            </p:txBody>
+          </p:sp>
+        </p:grpSp>
+        <p:grpSp>
+          <p:nvGrpSpPr>
+            <p:cNvPr id="23" name="그룹 22"/>
+            <p:cNvGrpSpPr/>
+            <p:nvPr/>
+          </p:nvGrpSpPr>
+          <p:grpSpPr>
+            <a:xfrm>
+              <a:off x="5129534" y="1885512"/>
+              <a:ext cx="2091815" cy="4102202"/>
+              <a:chOff x="4928336" y="1885512"/>
+              <a:chExt cx="2091815" cy="4102202"/>
+            </a:xfrm>
+          </p:grpSpPr>
+          <p:pic>
+            <p:nvPicPr>
+              <p:cNvPr id="10" name="그림 9"/>
+              <p:cNvPicPr>
+                <a:picLocks noChangeAspect="1"/>
+              </p:cNvPicPr>
+              <p:nvPr/>
+            </p:nvPicPr>
+            <p:blipFill>
+              <a:blip r:embed="rId4" cstate="print">
+                <a:extLst>
+                  <a:ext uri="{28A0092B-C50C-407E-A947-70E740481C1C}">
+                    <a14:useLocalDpi xmlns:a14="http://schemas.microsoft.com/office/drawing/2010/main" val="0"/>
+                  </a:ext>
+                </a:extLst>
+              </a:blip>
+              <a:stretch>
+                <a:fillRect/>
+              </a:stretch>
+            </p:blipFill>
+            <p:spPr>
+              <a:xfrm>
+                <a:off x="4928336" y="1885512"/>
+                <a:ext cx="2091815" cy="3933153"/>
+              </a:xfrm>
+              <a:prstGeom prst="rect">
+                <a:avLst/>
+              </a:prstGeom>
+            </p:spPr>
+          </p:pic>
+          <p:sp>
+            <p:nvSpPr>
+              <p:cNvPr id="27" name="TextBox 26"/>
+              <p:cNvSpPr txBox="1"/>
+              <p:nvPr/>
+            </p:nvSpPr>
+            <p:spPr>
+              <a:xfrm>
+                <a:off x="4928336" y="5618382"/>
+                <a:ext cx="979755" cy="369332"/>
+              </a:xfrm>
+              <a:prstGeom prst="rect">
+                <a:avLst/>
+              </a:prstGeom>
+              <a:noFill/>
+            </p:spPr>
+            <p:txBody>
+              <a:bodyPr wrap="none" rtlCol="0">
+                <a:spAutoFit/>
+              </a:bodyPr>
+              <a:lstStyle/>
+              <a:p>
+                <a:r>
+                  <a:rPr lang="en-US" altLang="ko-KR" dirty="0" smtClean="0">
+                    <a:solidFill>
+                      <a:schemeClr val="bg1">
+                        <a:lumMod val="75000"/>
+                      </a:schemeClr>
+                    </a:solidFill>
+                    <a:latin typeface="Pretendard" panose="02000503000000020004" pitchFamily="50" charset="-127"/>
+                    <a:ea typeface="Pretendard" panose="02000503000000020004" pitchFamily="50" charset="-127"/>
+                    <a:cs typeface="Pretendard" panose="02000503000000020004" pitchFamily="50" charset="-127"/>
+                  </a:rPr>
+                  <a:t>content</a:t>
+                </a:r>
+                <a:endParaRPr lang="ko-KR" altLang="en-US" dirty="0">
+                  <a:solidFill>
+                    <a:schemeClr val="bg1">
+                      <a:lumMod val="75000"/>
+                    </a:schemeClr>
+                  </a:solidFill>
+                  <a:latin typeface="Pretendard" panose="02000503000000020004" pitchFamily="50" charset="-127"/>
+                  <a:ea typeface="Pretendard" panose="02000503000000020004" pitchFamily="50" charset="-127"/>
+                  <a:cs typeface="Pretendard" panose="02000503000000020004" pitchFamily="50" charset="-127"/>
+                </a:endParaRPr>
+              </a:p>
+            </p:txBody>
+          </p:sp>
+        </p:grpSp>
+        <p:grpSp>
+          <p:nvGrpSpPr>
+            <p:cNvPr id="33" name="그룹 32"/>
+            <p:cNvGrpSpPr/>
+            <p:nvPr/>
+          </p:nvGrpSpPr>
+          <p:grpSpPr>
+            <a:xfrm>
+              <a:off x="7495810" y="1885512"/>
+              <a:ext cx="2067819" cy="4102202"/>
+              <a:chOff x="7495108" y="1885512"/>
+              <a:chExt cx="2067819" cy="4102202"/>
+            </a:xfrm>
+          </p:grpSpPr>
+          <p:pic>
+            <p:nvPicPr>
+              <p:cNvPr id="3" name="그림 2"/>
+              <p:cNvPicPr>
+                <a:picLocks noChangeAspect="1"/>
+              </p:cNvPicPr>
+              <p:nvPr/>
+            </p:nvPicPr>
+            <p:blipFill>
+              <a:blip r:embed="rId5" cstate="print">
+                <a:extLst>
+                  <a:ext uri="{28A0092B-C50C-407E-A947-70E740481C1C}">
+                    <a14:useLocalDpi xmlns:a14="http://schemas.microsoft.com/office/drawing/2010/main" val="0"/>
+                  </a:ext>
+                </a:extLst>
+              </a:blip>
+              <a:stretch>
+                <a:fillRect/>
+              </a:stretch>
+            </p:blipFill>
+            <p:spPr>
+              <a:xfrm>
+                <a:off x="7495108" y="1885512"/>
+                <a:ext cx="2067819" cy="3888036"/>
+              </a:xfrm>
+              <a:prstGeom prst="rect">
+                <a:avLst/>
+              </a:prstGeom>
+            </p:spPr>
+          </p:pic>
+          <p:sp>
+            <p:nvSpPr>
+              <p:cNvPr id="24" name="TextBox 23"/>
+              <p:cNvSpPr txBox="1"/>
+              <p:nvPr/>
+            </p:nvSpPr>
+            <p:spPr>
+              <a:xfrm>
+                <a:off x="7495108" y="5618382"/>
+                <a:ext cx="676788" cy="369332"/>
+              </a:xfrm>
+              <a:prstGeom prst="rect">
+                <a:avLst/>
+              </a:prstGeom>
+              <a:noFill/>
+            </p:spPr>
+            <p:txBody>
+              <a:bodyPr wrap="none" rtlCol="0">
+                <a:spAutoFit/>
+              </a:bodyPr>
+              <a:lstStyle/>
+              <a:p>
+                <a:r>
+                  <a:rPr lang="en-US" altLang="ko-KR" dirty="0" smtClean="0">
+                    <a:solidFill>
+                      <a:schemeClr val="bg1">
+                        <a:lumMod val="75000"/>
+                      </a:schemeClr>
+                    </a:solidFill>
+                    <a:latin typeface="Pretendard" panose="02000503000000020004" pitchFamily="50" charset="-127"/>
+                    <a:ea typeface="Pretendard" panose="02000503000000020004" pitchFamily="50" charset="-127"/>
+                    <a:cs typeface="Pretendard" panose="02000503000000020004" pitchFamily="50" charset="-127"/>
+                  </a:rPr>
+                  <a:t>login</a:t>
+                </a:r>
+                <a:endParaRPr lang="ko-KR" altLang="en-US" dirty="0">
+                  <a:solidFill>
+                    <a:schemeClr val="bg1">
+                      <a:lumMod val="75000"/>
+                    </a:schemeClr>
+                  </a:solidFill>
+                  <a:latin typeface="Pretendard" panose="02000503000000020004" pitchFamily="50" charset="-127"/>
+                  <a:ea typeface="Pretendard" panose="02000503000000020004" pitchFamily="50" charset="-127"/>
+                  <a:cs typeface="Pretendard" panose="02000503000000020004" pitchFamily="50" charset="-127"/>
+                </a:endParaRPr>
+              </a:p>
+            </p:txBody>
+          </p:sp>
+        </p:grpSp>
+        <p:grpSp>
+          <p:nvGrpSpPr>
+            <p:cNvPr id="34" name="그룹 33"/>
+            <p:cNvGrpSpPr/>
+            <p:nvPr/>
+          </p:nvGrpSpPr>
+          <p:grpSpPr>
+            <a:xfrm>
+              <a:off x="9838089" y="1838618"/>
+              <a:ext cx="2069615" cy="4149096"/>
+              <a:chOff x="9838089" y="1838618"/>
+              <a:chExt cx="2069615" cy="4149096"/>
+            </a:xfrm>
+          </p:grpSpPr>
+          <p:pic>
+            <p:nvPicPr>
+              <p:cNvPr id="5" name="그림 4"/>
+              <p:cNvPicPr>
+                <a:picLocks noChangeAspect="1"/>
+              </p:cNvPicPr>
+              <p:nvPr/>
+            </p:nvPicPr>
+            <p:blipFill>
+              <a:blip r:embed="rId6" cstate="print">
+                <a:extLst>
+                  <a:ext uri="{28A0092B-C50C-407E-A947-70E740481C1C}">
+                    <a14:useLocalDpi xmlns:a14="http://schemas.microsoft.com/office/drawing/2010/main" val="0"/>
+                  </a:ext>
+                </a:extLst>
+              </a:blip>
+              <a:stretch>
+                <a:fillRect/>
+              </a:stretch>
+            </p:blipFill>
+            <p:spPr>
+              <a:xfrm>
+                <a:off x="9838089" y="1838618"/>
+                <a:ext cx="2069615" cy="3891411"/>
+              </a:xfrm>
+              <a:prstGeom prst="rect">
+                <a:avLst/>
+              </a:prstGeom>
+            </p:spPr>
+          </p:pic>
+          <p:sp>
+            <p:nvSpPr>
+              <p:cNvPr id="29" name="TextBox 28"/>
+              <p:cNvSpPr txBox="1"/>
+              <p:nvPr/>
+            </p:nvSpPr>
+            <p:spPr>
+              <a:xfrm>
+                <a:off x="9838089" y="5618382"/>
+                <a:ext cx="543739" cy="369332"/>
+              </a:xfrm>
+              <a:prstGeom prst="rect">
+                <a:avLst/>
+              </a:prstGeom>
+              <a:noFill/>
+            </p:spPr>
+            <p:txBody>
+              <a:bodyPr wrap="none" rtlCol="0">
+                <a:spAutoFit/>
+              </a:bodyPr>
+              <a:lstStyle/>
+              <a:p>
+                <a:r>
+                  <a:rPr lang="en-US" altLang="ko-KR" dirty="0" smtClean="0">
+                    <a:solidFill>
+                      <a:schemeClr val="bg1">
+                        <a:lumMod val="75000"/>
+                      </a:schemeClr>
+                    </a:solidFill>
+                    <a:latin typeface="Pretendard" panose="02000503000000020004" pitchFamily="50" charset="-127"/>
+                    <a:ea typeface="Pretendard" panose="02000503000000020004" pitchFamily="50" charset="-127"/>
+                    <a:cs typeface="Pretendard" panose="02000503000000020004" pitchFamily="50" charset="-127"/>
+                  </a:rPr>
+                  <a:t>join</a:t>
+                </a:r>
+                <a:endParaRPr lang="ko-KR" altLang="en-US" dirty="0">
+                  <a:solidFill>
+                    <a:schemeClr val="bg1">
+                      <a:lumMod val="75000"/>
+                    </a:schemeClr>
+                  </a:solidFill>
+                  <a:latin typeface="Pretendard" panose="02000503000000020004" pitchFamily="50" charset="-127"/>
+                  <a:ea typeface="Pretendard" panose="02000503000000020004" pitchFamily="50" charset="-127"/>
+                  <a:cs typeface="Pretendard" panose="02000503000000020004" pitchFamily="50" charset="-127"/>
+                </a:endParaRPr>
+              </a:p>
+            </p:txBody>
+          </p:sp>
+        </p:grpSp>
+      </p:grpSp>
+      <p:grpSp>
+        <p:nvGrpSpPr>
+          <p:cNvPr id="36" name="그룹 35"/>
+          <p:cNvGrpSpPr/>
           <p:nvPr/>
-        </p:nvSpPr>
-        <p:spPr>
+        </p:nvGrpSpPr>
+        <p:grpSpPr>
           <a:xfrm>
-            <a:off x="322821" y="4642340"/>
-            <a:ext cx="1385123" cy="769441"/>
+            <a:off x="432267" y="926406"/>
+            <a:ext cx="5368488" cy="980359"/>
+            <a:chOff x="432267" y="926406"/>
+            <a:chExt cx="5368488" cy="980359"/>
           </a:xfrm>
-          <a:prstGeom prst="rect">
-            <a:avLst/>
-          </a:prstGeom>
-          <a:noFill/>
-        </p:spPr>
-        <p:txBody>
-          <a:bodyPr wrap="none" rtlCol="0">
-            <a:spAutoFit/>
-          </a:bodyPr>
-          <a:lstStyle/>
-          <a:p>
-            <a:r>
-              <a:rPr lang="ko-KR" altLang="en-US" sz="1600" dirty="0" smtClean="0">
-                <a:latin typeface="Noto Serif KR" panose="02020400000000000000" pitchFamily="18" charset="-127"/>
-                <a:ea typeface="Noto Serif KR" panose="02020400000000000000" pitchFamily="18" charset="-127"/>
-              </a:rPr>
-              <a:t>공통 패딩</a:t>
-            </a:r>
-            <a:endParaRPr lang="en-US" altLang="ko-KR" sz="1600" dirty="0" smtClean="0">
-              <a:latin typeface="Noto Serif KR" panose="02020400000000000000" pitchFamily="18" charset="-127"/>
-              <a:ea typeface="Noto Serif KR" panose="02020400000000000000" pitchFamily="18" charset="-127"/>
-            </a:endParaRPr>
-          </a:p>
-          <a:p>
-            <a:r>
-              <a:rPr lang="en-US" altLang="ko-KR" sz="1400" dirty="0" smtClean="0">
-                <a:latin typeface="Noto Serif KR" panose="02020400000000000000" pitchFamily="18" charset="-127"/>
-                <a:ea typeface="Noto Serif KR" panose="02020400000000000000" pitchFamily="18" charset="-127"/>
-              </a:rPr>
-              <a:t>- top:40px</a:t>
-            </a:r>
-            <a:br>
-              <a:rPr lang="en-US" altLang="ko-KR" sz="1400" dirty="0" smtClean="0">
-                <a:latin typeface="Noto Serif KR" panose="02020400000000000000" pitchFamily="18" charset="-127"/>
-                <a:ea typeface="Noto Serif KR" panose="02020400000000000000" pitchFamily="18" charset="-127"/>
-              </a:rPr>
-            </a:br>
-            <a:r>
-              <a:rPr lang="en-US" altLang="ko-KR" sz="1400" dirty="0" smtClean="0">
-                <a:latin typeface="Noto Serif KR" panose="02020400000000000000" pitchFamily="18" charset="-127"/>
-                <a:ea typeface="Noto Serif KR" panose="02020400000000000000" pitchFamily="18" charset="-127"/>
-              </a:rPr>
-              <a:t>-</a:t>
-            </a:r>
-            <a:r>
-              <a:rPr lang="ko-KR" altLang="en-US" sz="1400" dirty="0">
-                <a:latin typeface="Noto Serif KR" panose="02020400000000000000" pitchFamily="18" charset="-127"/>
-                <a:ea typeface="Noto Serif KR" panose="02020400000000000000" pitchFamily="18" charset="-127"/>
-              </a:rPr>
-              <a:t> </a:t>
-            </a:r>
-            <a:r>
-              <a:rPr lang="en-US" altLang="ko-KR" sz="1400" dirty="0" smtClean="0">
-                <a:latin typeface="Noto Serif KR" panose="02020400000000000000" pitchFamily="18" charset="-127"/>
-                <a:ea typeface="Noto Serif KR" panose="02020400000000000000" pitchFamily="18" charset="-127"/>
-              </a:rPr>
-              <a:t>bottom:60px</a:t>
-            </a:r>
-            <a:endParaRPr lang="ko-KR" altLang="en-US" sz="1400" dirty="0">
-              <a:latin typeface="Noto Serif KR" panose="02020400000000000000" pitchFamily="18" charset="-127"/>
-              <a:ea typeface="Noto Serif KR" panose="02020400000000000000" pitchFamily="18" charset="-127"/>
-            </a:endParaRPr>
-          </a:p>
-        </p:txBody>
-      </p:sp>
-      <p:sp>
-        <p:nvSpPr>
-          <p:cNvPr id="26" name="TextBox 25"/>
-          <p:cNvSpPr txBox="1"/>
-          <p:nvPr/>
-        </p:nvSpPr>
-        <p:spPr>
-          <a:xfrm>
-            <a:off x="5402826" y="6466947"/>
-            <a:ext cx="585417" cy="369332"/>
-          </a:xfrm>
-          <a:prstGeom prst="rect">
-            <a:avLst/>
-          </a:prstGeom>
-          <a:noFill/>
-        </p:spPr>
-        <p:txBody>
-          <a:bodyPr wrap="none" rtlCol="0">
-            <a:spAutoFit/>
-          </a:bodyPr>
-          <a:lstStyle/>
-          <a:p>
-            <a:r>
-              <a:rPr lang="en-US" altLang="ko-KR" dirty="0" smtClean="0">
-                <a:latin typeface="Noto Serif KR" panose="02020400000000000000" pitchFamily="18" charset="-127"/>
-                <a:ea typeface="Noto Serif KR" panose="02020400000000000000" pitchFamily="18" charset="-127"/>
-              </a:rPr>
-              <a:t>sub</a:t>
-            </a:r>
-            <a:endParaRPr lang="ko-KR" altLang="en-US" dirty="0">
-              <a:latin typeface="Noto Serif KR" panose="02020400000000000000" pitchFamily="18" charset="-127"/>
-              <a:ea typeface="Noto Serif KR" panose="02020400000000000000" pitchFamily="18" charset="-127"/>
-            </a:endParaRPr>
-          </a:p>
-        </p:txBody>
-      </p:sp>
-      <p:sp>
-        <p:nvSpPr>
-          <p:cNvPr id="27" name="TextBox 26"/>
-          <p:cNvSpPr txBox="1"/>
-          <p:nvPr/>
-        </p:nvSpPr>
-        <p:spPr>
-          <a:xfrm>
-            <a:off x="8764139" y="6453995"/>
-            <a:ext cx="1037272" cy="369332"/>
-          </a:xfrm>
-          <a:prstGeom prst="rect">
-            <a:avLst/>
-          </a:prstGeom>
-          <a:noFill/>
-        </p:spPr>
-        <p:txBody>
-          <a:bodyPr wrap="none" rtlCol="0">
-            <a:spAutoFit/>
-          </a:bodyPr>
-          <a:lstStyle/>
-          <a:p>
-            <a:r>
-              <a:rPr lang="en-US" altLang="ko-KR" dirty="0" smtClean="0">
-                <a:latin typeface="Noto Serif KR" panose="02020400000000000000" pitchFamily="18" charset="-127"/>
-                <a:ea typeface="Noto Serif KR" panose="02020400000000000000" pitchFamily="18" charset="-127"/>
-              </a:rPr>
-              <a:t>content</a:t>
-            </a:r>
-            <a:endParaRPr lang="ko-KR" altLang="en-US" dirty="0">
-              <a:latin typeface="Noto Serif KR" panose="02020400000000000000" pitchFamily="18" charset="-127"/>
-              <a:ea typeface="Noto Serif KR" panose="02020400000000000000" pitchFamily="18" charset="-127"/>
-            </a:endParaRPr>
-          </a:p>
-        </p:txBody>
-      </p:sp>
+        </p:grpSpPr>
+        <p:sp>
+          <p:nvSpPr>
+            <p:cNvPr id="2" name="TextBox 1"/>
+            <p:cNvSpPr txBox="1"/>
+            <p:nvPr/>
+          </p:nvSpPr>
+          <p:spPr>
+            <a:xfrm>
+              <a:off x="3362369" y="926406"/>
+              <a:ext cx="1234633" cy="369332"/>
+            </a:xfrm>
+            <a:prstGeom prst="rect">
+              <a:avLst/>
+            </a:prstGeom>
+            <a:solidFill>
+              <a:schemeClr val="bg1"/>
+            </a:solidFill>
+          </p:spPr>
+          <p:txBody>
+            <a:bodyPr wrap="none" rtlCol="0">
+              <a:spAutoFit/>
+            </a:bodyPr>
+            <a:lstStyle/>
+            <a:p>
+              <a:r>
+                <a:rPr lang="en-US" altLang="ko-KR" dirty="0" smtClean="0">
+                  <a:solidFill>
+                    <a:schemeClr val="bg2">
+                      <a:lumMod val="75000"/>
+                    </a:schemeClr>
+                  </a:solidFill>
+                  <a:latin typeface="Pretendard" panose="02000503000000020004" pitchFamily="50" charset="-127"/>
+                  <a:ea typeface="Pretendard" panose="02000503000000020004" pitchFamily="50" charset="-127"/>
+                  <a:cs typeface="Pretendard" panose="02000503000000020004" pitchFamily="50" charset="-127"/>
+                </a:rPr>
+                <a:t>Safe-Area</a:t>
+              </a:r>
+            </a:p>
+          </p:txBody>
+        </p:sp>
+        <p:sp>
+          <p:nvSpPr>
+            <p:cNvPr id="25" name="TextBox 24"/>
+            <p:cNvSpPr txBox="1"/>
+            <p:nvPr/>
+          </p:nvSpPr>
+          <p:spPr>
+            <a:xfrm>
+              <a:off x="432267" y="926598"/>
+              <a:ext cx="947695" cy="338554"/>
+            </a:xfrm>
+            <a:prstGeom prst="rect">
+              <a:avLst/>
+            </a:prstGeom>
+            <a:noFill/>
+          </p:spPr>
+          <p:txBody>
+            <a:bodyPr wrap="none" rtlCol="0">
+              <a:spAutoFit/>
+            </a:bodyPr>
+            <a:lstStyle/>
+            <a:p>
+              <a:r>
+                <a:rPr lang="ko-KR" altLang="en-US" sz="1600" dirty="0" smtClean="0">
+                  <a:solidFill>
+                    <a:schemeClr val="bg2">
+                      <a:lumMod val="75000"/>
+                    </a:schemeClr>
+                  </a:solidFill>
+                  <a:latin typeface="Pretendard" panose="02000503000000020004" pitchFamily="50" charset="-127"/>
+                  <a:ea typeface="Pretendard" panose="02000503000000020004" pitchFamily="50" charset="-127"/>
+                  <a:cs typeface="Pretendard" panose="02000503000000020004" pitchFamily="50" charset="-127"/>
+                </a:rPr>
+                <a:t>공통 패딩</a:t>
+              </a:r>
+              <a:endParaRPr lang="en-US" altLang="ko-KR" sz="1600" dirty="0" smtClean="0">
+                <a:latin typeface="Pretendard" panose="02000503000000020004" pitchFamily="50" charset="-127"/>
+                <a:ea typeface="Pretendard" panose="02000503000000020004" pitchFamily="50" charset="-127"/>
+                <a:cs typeface="Pretendard" panose="02000503000000020004" pitchFamily="50" charset="-127"/>
+              </a:endParaRPr>
+            </a:p>
+          </p:txBody>
+        </p:sp>
+        <p:cxnSp>
+          <p:nvCxnSpPr>
+            <p:cNvPr id="30" name="직선 연결선 29"/>
+            <p:cNvCxnSpPr/>
+            <p:nvPr/>
+          </p:nvCxnSpPr>
+          <p:spPr>
+            <a:xfrm>
+              <a:off x="444985" y="1286052"/>
+              <a:ext cx="2407505" cy="0"/>
+            </a:xfrm>
+            <a:prstGeom prst="line">
+              <a:avLst/>
+            </a:prstGeom>
+            <a:ln w="19050">
+              <a:solidFill>
+                <a:schemeClr val="bg2">
+                  <a:lumMod val="90000"/>
+                </a:schemeClr>
+              </a:solidFill>
+            </a:ln>
+          </p:spPr>
+          <p:style>
+            <a:lnRef idx="1">
+              <a:schemeClr val="accent1"/>
+            </a:lnRef>
+            <a:fillRef idx="0">
+              <a:schemeClr val="accent1"/>
+            </a:fillRef>
+            <a:effectRef idx="0">
+              <a:schemeClr val="accent1"/>
+            </a:effectRef>
+            <a:fontRef idx="minor">
+              <a:schemeClr val="tx1"/>
+            </a:fontRef>
+          </p:style>
+        </p:cxnSp>
+        <p:cxnSp>
+          <p:nvCxnSpPr>
+            <p:cNvPr id="31" name="직선 연결선 30"/>
+            <p:cNvCxnSpPr/>
+            <p:nvPr/>
+          </p:nvCxnSpPr>
+          <p:spPr>
+            <a:xfrm>
+              <a:off x="3393250" y="1286052"/>
+              <a:ext cx="2407505" cy="0"/>
+            </a:xfrm>
+            <a:prstGeom prst="line">
+              <a:avLst/>
+            </a:prstGeom>
+            <a:ln w="19050">
+              <a:solidFill>
+                <a:schemeClr val="bg2">
+                  <a:lumMod val="90000"/>
+                </a:schemeClr>
+              </a:solidFill>
+            </a:ln>
+          </p:spPr>
+          <p:style>
+            <a:lnRef idx="1">
+              <a:schemeClr val="accent1"/>
+            </a:lnRef>
+            <a:fillRef idx="0">
+              <a:schemeClr val="accent1"/>
+            </a:fillRef>
+            <a:effectRef idx="0">
+              <a:schemeClr val="accent1"/>
+            </a:effectRef>
+            <a:fontRef idx="minor">
+              <a:schemeClr val="tx1"/>
+            </a:fontRef>
+          </p:style>
+        </p:cxnSp>
+        <p:sp>
+          <p:nvSpPr>
+            <p:cNvPr id="32" name="TextBox 31"/>
+            <p:cNvSpPr txBox="1"/>
+            <p:nvPr/>
+          </p:nvSpPr>
+          <p:spPr>
+            <a:xfrm>
+              <a:off x="3393250" y="1354325"/>
+              <a:ext cx="2069797" cy="307777"/>
+            </a:xfrm>
+            <a:prstGeom prst="rect">
+              <a:avLst/>
+            </a:prstGeom>
+            <a:solidFill>
+              <a:schemeClr val="bg1"/>
+            </a:solidFill>
+          </p:spPr>
+          <p:txBody>
+            <a:bodyPr wrap="none" rtlCol="0">
+              <a:spAutoFit/>
+            </a:bodyPr>
+            <a:lstStyle/>
+            <a:p>
+              <a:r>
+                <a:rPr lang="en-US" altLang="ko-KR" sz="1400" dirty="0" smtClean="0">
+                  <a:latin typeface="Pretendard" panose="02000503000000020004" pitchFamily="50" charset="-127"/>
+                  <a:ea typeface="Pretendard" panose="02000503000000020004" pitchFamily="50" charset="-127"/>
+                  <a:cs typeface="Pretendard" panose="02000503000000020004" pitchFamily="50" charset="-127"/>
+                </a:rPr>
+                <a:t>- 1440px : </a:t>
+              </a:r>
+              <a:r>
+                <a:rPr lang="ko-KR" altLang="en-US" sz="1400" dirty="0" smtClean="0">
+                  <a:latin typeface="Pretendard" panose="02000503000000020004" pitchFamily="50" charset="-127"/>
+                  <a:ea typeface="Pretendard" panose="02000503000000020004" pitchFamily="50" charset="-127"/>
+                  <a:cs typeface="Pretendard" panose="02000503000000020004" pitchFamily="50" charset="-127"/>
+                </a:rPr>
+                <a:t>전체 영역 적용</a:t>
+              </a:r>
+              <a:endParaRPr lang="ko-KR" altLang="en-US" sz="1400" dirty="0">
+                <a:latin typeface="Pretendard" panose="02000503000000020004" pitchFamily="50" charset="-127"/>
+                <a:ea typeface="Pretendard" panose="02000503000000020004" pitchFamily="50" charset="-127"/>
+                <a:cs typeface="Pretendard" panose="02000503000000020004" pitchFamily="50" charset="-127"/>
+              </a:endParaRPr>
+            </a:p>
+          </p:txBody>
+        </p:sp>
+        <p:sp>
+          <p:nvSpPr>
+            <p:cNvPr id="16" name="직사각형 15"/>
+            <p:cNvSpPr/>
+            <p:nvPr/>
+          </p:nvSpPr>
+          <p:spPr>
+            <a:xfrm>
+              <a:off x="432267" y="1383545"/>
+              <a:ext cx="5265383" cy="523220"/>
+            </a:xfrm>
+            <a:prstGeom prst="rect">
+              <a:avLst/>
+            </a:prstGeom>
+          </p:spPr>
+          <p:txBody>
+            <a:bodyPr wrap="square">
+              <a:spAutoFit/>
+            </a:bodyPr>
+            <a:lstStyle/>
+            <a:p>
+              <a:r>
+                <a:rPr lang="en-US" altLang="ko-KR" sz="1400" dirty="0" smtClean="0">
+                  <a:latin typeface="Pretendard" panose="02000503000000020004" pitchFamily="50" charset="-127"/>
+                  <a:ea typeface="Pretendard" panose="02000503000000020004" pitchFamily="50" charset="-127"/>
+                  <a:cs typeface="Pretendard" panose="02000503000000020004" pitchFamily="50" charset="-127"/>
+                </a:rPr>
+                <a:t>- </a:t>
+              </a:r>
+              <a:r>
+                <a:rPr lang="en-US" altLang="ko-KR" sz="1400" dirty="0">
+                  <a:latin typeface="Pretendard" panose="02000503000000020004" pitchFamily="50" charset="-127"/>
+                  <a:ea typeface="Pretendard" panose="02000503000000020004" pitchFamily="50" charset="-127"/>
+                  <a:cs typeface="Pretendard" panose="02000503000000020004" pitchFamily="50" charset="-127"/>
+                </a:rPr>
+                <a:t>Top : 40px</a:t>
+              </a:r>
+              <a:br>
+                <a:rPr lang="en-US" altLang="ko-KR" sz="1400" dirty="0">
+                  <a:latin typeface="Pretendard" panose="02000503000000020004" pitchFamily="50" charset="-127"/>
+                  <a:ea typeface="Pretendard" panose="02000503000000020004" pitchFamily="50" charset="-127"/>
+                  <a:cs typeface="Pretendard" panose="02000503000000020004" pitchFamily="50" charset="-127"/>
+                </a:rPr>
+              </a:br>
+              <a:r>
+                <a:rPr lang="en-US" altLang="ko-KR" sz="1400" dirty="0">
+                  <a:latin typeface="Pretendard" panose="02000503000000020004" pitchFamily="50" charset="-127"/>
+                  <a:ea typeface="Pretendard" panose="02000503000000020004" pitchFamily="50" charset="-127"/>
+                  <a:cs typeface="Pretendard" panose="02000503000000020004" pitchFamily="50" charset="-127"/>
+                </a:rPr>
+                <a:t>-</a:t>
+              </a:r>
+              <a:r>
+                <a:rPr lang="ko-KR" altLang="en-US" sz="1400" dirty="0">
+                  <a:latin typeface="Pretendard" panose="02000503000000020004" pitchFamily="50" charset="-127"/>
+                  <a:ea typeface="Pretendard" panose="02000503000000020004" pitchFamily="50" charset="-127"/>
+                  <a:cs typeface="Pretendard" panose="02000503000000020004" pitchFamily="50" charset="-127"/>
+                </a:rPr>
+                <a:t> </a:t>
+              </a:r>
+              <a:r>
+                <a:rPr lang="en-US" altLang="ko-KR" sz="1400" dirty="0">
+                  <a:latin typeface="Pretendard" panose="02000503000000020004" pitchFamily="50" charset="-127"/>
+                  <a:ea typeface="Pretendard" panose="02000503000000020004" pitchFamily="50" charset="-127"/>
+                  <a:cs typeface="Pretendard" panose="02000503000000020004" pitchFamily="50" charset="-127"/>
+                </a:rPr>
+                <a:t>Bottom : 60px</a:t>
+              </a:r>
+              <a:endParaRPr lang="ko-KR" altLang="en-US" sz="1400" dirty="0">
+                <a:latin typeface="Pretendard" panose="02000503000000020004" pitchFamily="50" charset="-127"/>
+                <a:ea typeface="Pretendard" panose="02000503000000020004" pitchFamily="50" charset="-127"/>
+                <a:cs typeface="Pretendard" panose="02000503000000020004" pitchFamily="50" charset="-127"/>
+              </a:endParaRPr>
+            </a:p>
+          </p:txBody>
+        </p:sp>
+      </p:grpSp>
     </p:spTree>
     <p:extLst>
       <p:ext uri="{BB962C8B-B14F-4D97-AF65-F5344CB8AC3E}">
